--- a/9. Presentation/AS_DeadlineTeam_Week6.pptx
+++ b/9. Presentation/AS_DeadlineTeam_Week6.pptx
@@ -260,7 +260,7 @@
           <a:p>
             <a:fld id="{6D892D68-995E-4539-9486-B6D10005290E}" type="datetimeFigureOut">
               <a:rPr lang="vi-VN" smtClean="0"/>
-              <a:t>11/12/2013</a:t>
+              <a:t>12/12/2013</a:t>
             </a:fld>
             <a:endParaRPr lang="vi-VN"/>
           </a:p>
@@ -430,7 +430,7 @@
           <a:p>
             <a:fld id="{6D892D68-995E-4539-9486-B6D10005290E}" type="datetimeFigureOut">
               <a:rPr lang="vi-VN" smtClean="0"/>
-              <a:t>11/12/2013</a:t>
+              <a:t>12/12/2013</a:t>
             </a:fld>
             <a:endParaRPr lang="vi-VN"/>
           </a:p>
@@ -610,7 +610,7 @@
           <a:p>
             <a:fld id="{6D892D68-995E-4539-9486-B6D10005290E}" type="datetimeFigureOut">
               <a:rPr lang="vi-VN" smtClean="0"/>
-              <a:t>11/12/2013</a:t>
+              <a:t>12/12/2013</a:t>
             </a:fld>
             <a:endParaRPr lang="vi-VN"/>
           </a:p>
@@ -780,7 +780,7 @@
           <a:p>
             <a:fld id="{6D892D68-995E-4539-9486-B6D10005290E}" type="datetimeFigureOut">
               <a:rPr lang="vi-VN" smtClean="0"/>
-              <a:t>11/12/2013</a:t>
+              <a:t>12/12/2013</a:t>
             </a:fld>
             <a:endParaRPr lang="vi-VN"/>
           </a:p>
@@ -1026,7 +1026,7 @@
           <a:p>
             <a:fld id="{6D892D68-995E-4539-9486-B6D10005290E}" type="datetimeFigureOut">
               <a:rPr lang="vi-VN" smtClean="0"/>
-              <a:t>11/12/2013</a:t>
+              <a:t>12/12/2013</a:t>
             </a:fld>
             <a:endParaRPr lang="vi-VN"/>
           </a:p>
@@ -1258,7 +1258,7 @@
           <a:p>
             <a:fld id="{6D892D68-995E-4539-9486-B6D10005290E}" type="datetimeFigureOut">
               <a:rPr lang="vi-VN" smtClean="0"/>
-              <a:t>11/12/2013</a:t>
+              <a:t>12/12/2013</a:t>
             </a:fld>
             <a:endParaRPr lang="vi-VN"/>
           </a:p>
@@ -1625,7 +1625,7 @@
           <a:p>
             <a:fld id="{6D892D68-995E-4539-9486-B6D10005290E}" type="datetimeFigureOut">
               <a:rPr lang="vi-VN" smtClean="0"/>
-              <a:t>11/12/2013</a:t>
+              <a:t>12/12/2013</a:t>
             </a:fld>
             <a:endParaRPr lang="vi-VN"/>
           </a:p>
@@ -1743,7 +1743,7 @@
           <a:p>
             <a:fld id="{6D892D68-995E-4539-9486-B6D10005290E}" type="datetimeFigureOut">
               <a:rPr lang="vi-VN" smtClean="0"/>
-              <a:t>11/12/2013</a:t>
+              <a:t>12/12/2013</a:t>
             </a:fld>
             <a:endParaRPr lang="vi-VN"/>
           </a:p>
@@ -1838,7 +1838,7 @@
           <a:p>
             <a:fld id="{6D892D68-995E-4539-9486-B6D10005290E}" type="datetimeFigureOut">
               <a:rPr lang="vi-VN" smtClean="0"/>
-              <a:t>11/12/2013</a:t>
+              <a:t>12/12/2013</a:t>
             </a:fld>
             <a:endParaRPr lang="vi-VN"/>
           </a:p>
@@ -2115,7 +2115,7 @@
           <a:p>
             <a:fld id="{6D892D68-995E-4539-9486-B6D10005290E}" type="datetimeFigureOut">
               <a:rPr lang="vi-VN" smtClean="0"/>
-              <a:t>11/12/2013</a:t>
+              <a:t>12/12/2013</a:t>
             </a:fld>
             <a:endParaRPr lang="vi-VN"/>
           </a:p>
@@ -2368,7 +2368,7 @@
           <a:p>
             <a:fld id="{6D892D68-995E-4539-9486-B6D10005290E}" type="datetimeFigureOut">
               <a:rPr lang="vi-VN" smtClean="0"/>
-              <a:t>11/12/2013</a:t>
+              <a:t>12/12/2013</a:t>
             </a:fld>
             <a:endParaRPr lang="vi-VN"/>
           </a:p>
@@ -2581,7 +2581,7 @@
           <a:p>
             <a:fld id="{6D892D68-995E-4539-9486-B6D10005290E}" type="datetimeFigureOut">
               <a:rPr lang="vi-VN" smtClean="0"/>
-              <a:t>11/12/2013</a:t>
+              <a:t>12/12/2013</a:t>
             </a:fld>
             <a:endParaRPr lang="vi-VN"/>
           </a:p>
@@ -3132,15 +3132,6 @@
               </a:rPr>
               <a:t> (06/12/2013-11/12/2013)</a:t>
             </a:r>
-            <a:endParaRPr lang="en-US" sz="2000" dirty="0" smtClean="0">
-              <a:solidFill>
-                <a:schemeClr val="accent5">
-                  <a:lumMod val="50000"/>
-                </a:schemeClr>
-              </a:solidFill>
-              <a:latin typeface="Arial" panose="020B0604020202020204" pitchFamily="34" charset="0"/>
-              <a:cs typeface="Arial" panose="020B0604020202020204" pitchFamily="34" charset="0"/>
-            </a:endParaRPr>
           </a:p>
           <a:p>
             <a:endParaRPr lang="vi-VN" dirty="0">
@@ -4230,22 +4221,21 @@
       </p:sp>
       <p:sp>
         <p:nvSpPr>
-          <p:cNvPr id="23" name="TextBox 22"/>
-          <p:cNvSpPr txBox="1"/>
+          <p:cNvPr id="24" name="Rectangle 23"/>
+          <p:cNvSpPr/>
           <p:nvPr/>
         </p:nvSpPr>
         <p:spPr>
           <a:xfrm>
-            <a:off x="1887215" y="2579582"/>
-            <a:ext cx="2918684" cy="369332"/>
+            <a:off x="1887215" y="1981426"/>
+            <a:ext cx="4701863" cy="369332"/>
           </a:xfrm>
           <a:prstGeom prst="rect">
             <a:avLst/>
           </a:prstGeom>
-          <a:noFill/>
-        </p:spPr>
-        <p:txBody>
-          <a:bodyPr wrap="none" rtlCol="0">
+        </p:spPr>
+        <p:txBody>
+          <a:bodyPr wrap="square">
             <a:spAutoFit/>
           </a:bodyPr>
           <a:lstStyle/>
@@ -4256,28 +4246,28 @@
             </a:pPr>
             <a:r>
               <a:rPr lang="en-US" dirty="0" smtClean="0"/>
-              <a:t>Define master design plan</a:t>
-            </a:r>
-          </a:p>
-        </p:txBody>
-      </p:sp>
-      <p:sp>
-        <p:nvSpPr>
-          <p:cNvPr id="24" name="Rectangle 23"/>
+              <a:t>Update master plan </a:t>
+            </a:r>
+          </a:p>
+        </p:txBody>
+      </p:sp>
+      <p:sp>
+        <p:nvSpPr>
+          <p:cNvPr id="26" name="Rectangle 25"/>
           <p:cNvSpPr/>
           <p:nvPr/>
         </p:nvSpPr>
         <p:spPr>
           <a:xfrm>
-            <a:off x="1887215" y="1898301"/>
-            <a:ext cx="4701863" cy="369332"/>
+            <a:off x="1904998" y="2561545"/>
+            <a:ext cx="1865447" cy="369332"/>
           </a:xfrm>
           <a:prstGeom prst="rect">
             <a:avLst/>
           </a:prstGeom>
         </p:spPr>
         <p:txBody>
-          <a:bodyPr wrap="square">
+          <a:bodyPr wrap="none">
             <a:spAutoFit/>
           </a:bodyPr>
           <a:lstStyle/>
@@ -4288,21 +4278,21 @@
             </a:pPr>
             <a:r>
               <a:rPr lang="en-US" dirty="0" smtClean="0"/>
-              <a:t>Update master plan </a:t>
-            </a:r>
-          </a:p>
-        </p:txBody>
-      </p:sp>
-      <p:sp>
-        <p:nvSpPr>
-          <p:cNvPr id="26" name="Rectangle 25"/>
+              <a:t>Update list risk</a:t>
+            </a:r>
+          </a:p>
+        </p:txBody>
+      </p:sp>
+      <p:sp>
+        <p:nvSpPr>
+          <p:cNvPr id="27" name="Rectangle 26"/>
           <p:cNvSpPr/>
           <p:nvPr/>
         </p:nvSpPr>
         <p:spPr>
           <a:xfrm>
-            <a:off x="1904998" y="3143438"/>
-            <a:ext cx="1865447" cy="369332"/>
+            <a:off x="1887215" y="3187910"/>
+            <a:ext cx="3716274" cy="369332"/>
           </a:xfrm>
           <a:prstGeom prst="rect">
             <a:avLst/>
@@ -4320,21 +4310,21 @@
             </a:pPr>
             <a:r>
               <a:rPr lang="en-US" dirty="0" smtClean="0"/>
-              <a:t>Update list risk</a:t>
-            </a:r>
-          </a:p>
-        </p:txBody>
-      </p:sp>
-      <p:sp>
-        <p:nvSpPr>
-          <p:cNvPr id="27" name="Rectangle 26"/>
+              <a:t>Update architect design document</a:t>
+            </a:r>
+          </a:p>
+        </p:txBody>
+      </p:sp>
+      <p:sp>
+        <p:nvSpPr>
+          <p:cNvPr id="28" name="Rectangle 27"/>
           <p:cNvSpPr/>
           <p:nvPr/>
         </p:nvSpPr>
         <p:spPr>
           <a:xfrm>
-            <a:off x="1887215" y="3805428"/>
-            <a:ext cx="3716274" cy="369332"/>
+            <a:off x="1887215" y="3852026"/>
+            <a:ext cx="2944076" cy="369332"/>
           </a:xfrm>
           <a:prstGeom prst="rect">
             <a:avLst/>
@@ -4352,43 +4342,6 @@
             </a:pPr>
             <a:r>
               <a:rPr lang="en-US" dirty="0" smtClean="0"/>
-              <a:t>Update </a:t>
-            </a:r>
-            <a:r>
-              <a:rPr lang="en-US" dirty="0" smtClean="0"/>
-              <a:t>architect design document</a:t>
-            </a:r>
-            <a:endParaRPr lang="en-US" dirty="0" smtClean="0"/>
-          </a:p>
-        </p:txBody>
-      </p:sp>
-      <p:sp>
-        <p:nvSpPr>
-          <p:cNvPr id="28" name="Rectangle 27"/>
-          <p:cNvSpPr/>
-          <p:nvPr/>
-        </p:nvSpPr>
-        <p:spPr>
-          <a:xfrm>
-            <a:off x="1887215" y="4433916"/>
-            <a:ext cx="2944076" cy="369332"/>
-          </a:xfrm>
-          <a:prstGeom prst="rect">
-            <a:avLst/>
-          </a:prstGeom>
-        </p:spPr>
-        <p:txBody>
-          <a:bodyPr wrap="none">
-            <a:spAutoFit/>
-          </a:bodyPr>
-          <a:lstStyle/>
-          <a:p>
-            <a:pPr marL="285750" indent="-285750">
-              <a:buFont typeface="Wingdings" panose="05000000000000000000" pitchFamily="2" charset="2"/>
-              <a:buChar char="q"/>
-            </a:pPr>
-            <a:r>
-              <a:rPr lang="en-US" dirty="0" smtClean="0"/>
               <a:t>Write </a:t>
             </a:r>
             <a:r>
@@ -4399,7 +4352,6 @@
               <a:rPr lang="en-US" dirty="0" smtClean="0"/>
               <a:t> description </a:t>
             </a:r>
-            <a:endParaRPr lang="en-US" dirty="0" smtClean="0"/>
           </a:p>
         </p:txBody>
       </p:sp>
@@ -4453,8 +4405,8 @@
         </p:nvSpPr>
         <p:spPr>
           <a:xfrm>
-            <a:off x="1908990" y="5037581"/>
-            <a:ext cx="5108706" cy="369332"/>
+            <a:off x="1908990" y="4491316"/>
+            <a:ext cx="5792676" cy="369332"/>
           </a:xfrm>
           <a:prstGeom prst="rect">
             <a:avLst/>
@@ -4472,9 +4424,24 @@
             </a:pPr>
             <a:r>
               <a:rPr lang="en-US" dirty="0" smtClean="0"/>
-              <a:t>Complete architect driver specification document</a:t>
-            </a:r>
-            <a:endParaRPr lang="en-US" dirty="0" smtClean="0"/>
+              <a:t>Create architectural </a:t>
+            </a:r>
+            <a:r>
+              <a:rPr lang="en-US" dirty="0" smtClean="0"/>
+              <a:t>driver </a:t>
+            </a:r>
+            <a:r>
+              <a:rPr lang="en-US" dirty="0"/>
+              <a:t>specification </a:t>
+            </a:r>
+            <a:r>
+              <a:rPr lang="en-US" dirty="0" smtClean="0"/>
+              <a:t>initials </a:t>
+            </a:r>
+            <a:r>
+              <a:rPr lang="en-US" dirty="0" smtClean="0"/>
+              <a:t>document</a:t>
+            </a:r>
           </a:p>
         </p:txBody>
       </p:sp>
@@ -5040,14 +5007,14 @@
       </p:sp>
       <p:sp>
         <p:nvSpPr>
-          <p:cNvPr id="8" name="Rectangle 7"/>
+          <p:cNvPr id="9" name="Rectangle 8"/>
           <p:cNvSpPr/>
           <p:nvPr/>
         </p:nvSpPr>
         <p:spPr>
           <a:xfrm>
-            <a:off x="1904999" y="3248881"/>
-            <a:ext cx="4495801" cy="369332"/>
+            <a:off x="2089730" y="2391957"/>
+            <a:ext cx="7983418" cy="2031325"/>
           </a:xfrm>
           <a:prstGeom prst="rect">
             <a:avLst/>
@@ -5064,46 +5031,110 @@
               <a:buChar char="q"/>
             </a:pPr>
             <a:r>
-              <a:rPr lang="en-US" dirty="0" smtClean="0"/>
-              <a:t>Define and document </a:t>
-            </a:r>
-            <a:r>
-              <a:rPr lang="en-US" dirty="0" smtClean="0"/>
-              <a:t>of architect phase </a:t>
-            </a:r>
-            <a:endParaRPr lang="en-US" dirty="0" smtClean="0"/>
-          </a:p>
-        </p:txBody>
-      </p:sp>
-      <p:sp>
-        <p:nvSpPr>
-          <p:cNvPr id="9" name="Rectangle 8"/>
-          <p:cNvSpPr/>
-          <p:nvPr/>
-        </p:nvSpPr>
-        <p:spPr>
-          <a:xfrm>
-            <a:off x="1904999" y="2672221"/>
-            <a:ext cx="4283288" cy="369332"/>
-          </a:xfrm>
-          <a:prstGeom prst="rect">
-            <a:avLst/>
-          </a:prstGeom>
-        </p:spPr>
-        <p:txBody>
-          <a:bodyPr wrap="none">
-            <a:spAutoFit/>
-          </a:bodyPr>
-          <a:lstStyle/>
+              <a:rPr lang="en-US" dirty="0"/>
+              <a:t>Update Architectural Drivers Specification document</a:t>
+            </a:r>
+            <a:endParaRPr lang="en-US" dirty="0">
+              <a:solidFill>
+                <a:srgbClr val="000000"/>
+              </a:solidFill>
+              <a:latin typeface="Times New Roman" panose="02020603050405020304" pitchFamily="18" charset="0"/>
+            </a:endParaRPr>
+          </a:p>
           <a:p>
             <a:pPr marL="285750" indent="-285750">
               <a:buFont typeface="Wingdings" panose="05000000000000000000" pitchFamily="2" charset="2"/>
               <a:buChar char="q"/>
             </a:pPr>
             <a:r>
+              <a:rPr lang="en-US" dirty="0"/>
+              <a:t>Update Architectural Drivers Specification </a:t>
+            </a:r>
+            <a:r>
               <a:rPr lang="en-US" dirty="0" smtClean="0"/>
-              <a:t>Develop architect and design for project.</a:t>
-            </a:r>
+              <a:t>document</a:t>
+            </a:r>
+            <a:endParaRPr lang="en-US" dirty="0" smtClean="0">
+              <a:solidFill>
+                <a:srgbClr val="000000"/>
+              </a:solidFill>
+              <a:latin typeface="Times New Roman" panose="02020603050405020304" pitchFamily="18" charset="0"/>
+            </a:endParaRPr>
+          </a:p>
+          <a:p>
+            <a:pPr marL="285750" indent="-285750">
+              <a:buFont typeface="Wingdings" panose="05000000000000000000" pitchFamily="2" charset="2"/>
+              <a:buChar char="q"/>
+            </a:pPr>
+            <a:r>
+              <a:rPr lang="en-US" dirty="0" smtClean="0"/>
+              <a:t>Create </a:t>
+            </a:r>
+            <a:r>
+              <a:rPr lang="en-US" dirty="0"/>
+              <a:t>product backlog </a:t>
+            </a:r>
+            <a:r>
+              <a:rPr lang="en-US" dirty="0" smtClean="0"/>
+              <a:t>document</a:t>
+            </a:r>
+          </a:p>
+          <a:p>
+            <a:pPr marL="285750" indent="-285750">
+              <a:buFont typeface="Wingdings" panose="05000000000000000000" pitchFamily="2" charset="2"/>
+              <a:buChar char="q"/>
+            </a:pPr>
+            <a:r>
+              <a:rPr lang="en-US" dirty="0" smtClean="0"/>
+              <a:t>Report </a:t>
+            </a:r>
+            <a:r>
+              <a:rPr lang="en-US" dirty="0"/>
+              <a:t>and review documents relevant with </a:t>
+            </a:r>
+            <a:r>
+              <a:rPr lang="en-US" dirty="0" smtClean="0"/>
+              <a:t>mentor</a:t>
+            </a:r>
+          </a:p>
+          <a:p>
+            <a:pPr marL="285750" indent="-285750">
+              <a:buFont typeface="Wingdings" panose="05000000000000000000" pitchFamily="2" charset="2"/>
+              <a:buChar char="q"/>
+            </a:pPr>
+            <a:r>
+              <a:rPr lang="en-US" dirty="0" smtClean="0"/>
+              <a:t>Update </a:t>
+            </a:r>
+            <a:r>
+              <a:rPr lang="en-US" dirty="0"/>
+              <a:t>Architectural Drivers Specification and Product </a:t>
+            </a:r>
+            <a:r>
+              <a:rPr lang="en-US" dirty="0" err="1" smtClean="0"/>
+              <a:t>backlogdocuments</a:t>
+            </a:r>
+            <a:endParaRPr lang="en-US" dirty="0"/>
+          </a:p>
+          <a:p>
+            <a:pPr marL="285750" indent="-285750">
+              <a:buFont typeface="Wingdings" panose="05000000000000000000" pitchFamily="2" charset="2"/>
+              <a:buChar char="q"/>
+            </a:pPr>
+            <a:r>
+              <a:rPr lang="en-US" dirty="0" smtClean="0"/>
+              <a:t>Transfer </a:t>
+            </a:r>
+            <a:r>
+              <a:rPr lang="en-US" dirty="0"/>
+              <a:t>requirement relevant documents to English version </a:t>
+            </a:r>
+          </a:p>
+          <a:p>
+            <a:pPr marL="285750" indent="-285750">
+              <a:buFont typeface="Wingdings" panose="05000000000000000000" pitchFamily="2" charset="2"/>
+              <a:buChar char="q"/>
+            </a:pPr>
             <a:endParaRPr lang="en-US" dirty="0" smtClean="0"/>
           </a:p>
         </p:txBody>

--- a/9. Presentation/AS_DeadlineTeam_Week6.pptx
+++ b/9. Presentation/AS_DeadlineTeam_Week6.pptx
@@ -4292,7 +4292,7 @@
         <p:spPr>
           <a:xfrm>
             <a:off x="1887215" y="3187910"/>
-            <a:ext cx="3716274" cy="369332"/>
+            <a:ext cx="3163751" cy="369332"/>
           </a:xfrm>
           <a:prstGeom prst="rect">
             <a:avLst/>
@@ -4310,8 +4310,13 @@
             </a:pPr>
             <a:r>
               <a:rPr lang="en-US" dirty="0" smtClean="0"/>
-              <a:t>Update architect design document</a:t>
-            </a:r>
+              <a:t>Update architect design </a:t>
+            </a:r>
+            <a:r>
+              <a:rPr lang="en-US" dirty="0" smtClean="0"/>
+              <a:t>plan</a:t>
+            </a:r>
+            <a:endParaRPr lang="en-US" dirty="0" smtClean="0"/>
           </a:p>
         </p:txBody>
       </p:sp>
@@ -4324,7 +4329,7 @@
         <p:spPr>
           <a:xfrm>
             <a:off x="1887215" y="3852026"/>
-            <a:ext cx="2944076" cy="369332"/>
+            <a:ext cx="2996974" cy="369332"/>
           </a:xfrm>
           <a:prstGeom prst="rect">
             <a:avLst/>
@@ -4424,11 +4429,7 @@
             </a:pPr>
             <a:r>
               <a:rPr lang="en-US" dirty="0" smtClean="0"/>
-              <a:t>Create architectural </a:t>
-            </a:r>
-            <a:r>
-              <a:rPr lang="en-US" dirty="0" smtClean="0"/>
-              <a:t>driver </a:t>
+              <a:t>Create architectural driver </a:t>
             </a:r>
             <a:r>
               <a:rPr lang="en-US" dirty="0"/>
@@ -4436,11 +4437,7 @@
             </a:r>
             <a:r>
               <a:rPr lang="en-US" dirty="0" smtClean="0"/>
-              <a:t>initials </a:t>
-            </a:r>
-            <a:r>
-              <a:rPr lang="en-US" dirty="0" smtClean="0"/>
-              <a:t>document</a:t>
+              <a:t>initials document</a:t>
             </a:r>
           </a:p>
         </p:txBody>
